--- a/docs/präsentation.pptx
+++ b/docs/präsentation.pptx
@@ -11,10 +11,11 @@
     <p:sldId id="263" r:id="rId5"/>
     <p:sldId id="264" r:id="rId6"/>
     <p:sldId id="261" r:id="rId7"/>
-    <p:sldId id="260" r:id="rId8"/>
-    <p:sldId id="265" r:id="rId9"/>
-    <p:sldId id="266" r:id="rId10"/>
-    <p:sldId id="262" r:id="rId11"/>
+    <p:sldId id="268" r:id="rId8"/>
+    <p:sldId id="260" r:id="rId9"/>
+    <p:sldId id="265" r:id="rId10"/>
+    <p:sldId id="266" r:id="rId11"/>
+    <p:sldId id="262" r:id="rId12"/>
   </p:sldIdLst>
   <p:sldSz cx="12192000" cy="6858000"/>
   <p:notesSz cx="6858000" cy="9144000"/>
@@ -113,6 +114,11 @@
       </a:defRPr>
     </a:lvl9pPr>
   </p:defaultTextStyle>
+  <p:extLst>
+    <p:ext uri="{EFAFB233-063F-42B5-8137-9DF3F51BA10A}">
+      <p15:sldGuideLst xmlns:p15="http://schemas.microsoft.com/office/powerpoint/2012/main"/>
+    </p:ext>
+  </p:extLst>
 </p:presentation>
 </file>
 
@@ -247,7 +253,7 @@
           <a:p>
             <a:fld id="{CE16C1B5-0B92-4D68-B78F-FA1BFC875770}" type="datetimeFigureOut">
               <a:rPr lang="de-CH" smtClean="0"/>
-              <a:t>18.03.2017</a:t>
+              <a:t>21.03.2017</a:t>
             </a:fld>
             <a:endParaRPr lang="de-CH"/>
           </a:p>
@@ -417,7 +423,7 @@
           <a:p>
             <a:fld id="{CE16C1B5-0B92-4D68-B78F-FA1BFC875770}" type="datetimeFigureOut">
               <a:rPr lang="de-CH" smtClean="0"/>
-              <a:t>18.03.2017</a:t>
+              <a:t>21.03.2017</a:t>
             </a:fld>
             <a:endParaRPr lang="de-CH"/>
           </a:p>
@@ -597,7 +603,7 @@
           <a:p>
             <a:fld id="{CE16C1B5-0B92-4D68-B78F-FA1BFC875770}" type="datetimeFigureOut">
               <a:rPr lang="de-CH" smtClean="0"/>
-              <a:t>18.03.2017</a:t>
+              <a:t>21.03.2017</a:t>
             </a:fld>
             <a:endParaRPr lang="de-CH"/>
           </a:p>
@@ -767,7 +773,7 @@
           <a:p>
             <a:fld id="{CE16C1B5-0B92-4D68-B78F-FA1BFC875770}" type="datetimeFigureOut">
               <a:rPr lang="de-CH" smtClean="0"/>
-              <a:t>18.03.2017</a:t>
+              <a:t>21.03.2017</a:t>
             </a:fld>
             <a:endParaRPr lang="de-CH"/>
           </a:p>
@@ -1013,7 +1019,7 @@
           <a:p>
             <a:fld id="{CE16C1B5-0B92-4D68-B78F-FA1BFC875770}" type="datetimeFigureOut">
               <a:rPr lang="de-CH" smtClean="0"/>
-              <a:t>18.03.2017</a:t>
+              <a:t>21.03.2017</a:t>
             </a:fld>
             <a:endParaRPr lang="de-CH"/>
           </a:p>
@@ -1245,7 +1251,7 @@
           <a:p>
             <a:fld id="{CE16C1B5-0B92-4D68-B78F-FA1BFC875770}" type="datetimeFigureOut">
               <a:rPr lang="de-CH" smtClean="0"/>
-              <a:t>18.03.2017</a:t>
+              <a:t>21.03.2017</a:t>
             </a:fld>
             <a:endParaRPr lang="de-CH"/>
           </a:p>
@@ -1612,7 +1618,7 @@
           <a:p>
             <a:fld id="{CE16C1B5-0B92-4D68-B78F-FA1BFC875770}" type="datetimeFigureOut">
               <a:rPr lang="de-CH" smtClean="0"/>
-              <a:t>18.03.2017</a:t>
+              <a:t>21.03.2017</a:t>
             </a:fld>
             <a:endParaRPr lang="de-CH"/>
           </a:p>
@@ -1730,7 +1736,7 @@
           <a:p>
             <a:fld id="{CE16C1B5-0B92-4D68-B78F-FA1BFC875770}" type="datetimeFigureOut">
               <a:rPr lang="de-CH" smtClean="0"/>
-              <a:t>18.03.2017</a:t>
+              <a:t>21.03.2017</a:t>
             </a:fld>
             <a:endParaRPr lang="de-CH"/>
           </a:p>
@@ -1825,7 +1831,7 @@
           <a:p>
             <a:fld id="{CE16C1B5-0B92-4D68-B78F-FA1BFC875770}" type="datetimeFigureOut">
               <a:rPr lang="de-CH" smtClean="0"/>
-              <a:t>18.03.2017</a:t>
+              <a:t>21.03.2017</a:t>
             </a:fld>
             <a:endParaRPr lang="de-CH"/>
           </a:p>
@@ -2102,7 +2108,7 @@
           <a:p>
             <a:fld id="{CE16C1B5-0B92-4D68-B78F-FA1BFC875770}" type="datetimeFigureOut">
               <a:rPr lang="de-CH" smtClean="0"/>
-              <a:t>18.03.2017</a:t>
+              <a:t>21.03.2017</a:t>
             </a:fld>
             <a:endParaRPr lang="de-CH"/>
           </a:p>
@@ -2355,7 +2361,7 @@
           <a:p>
             <a:fld id="{CE16C1B5-0B92-4D68-B78F-FA1BFC875770}" type="datetimeFigureOut">
               <a:rPr lang="de-CH" smtClean="0"/>
-              <a:t>18.03.2017</a:t>
+              <a:t>21.03.2017</a:t>
             </a:fld>
             <a:endParaRPr lang="de-CH"/>
           </a:p>
@@ -2568,7 +2574,7 @@
           <a:p>
             <a:fld id="{CE16C1B5-0B92-4D68-B78F-FA1BFC875770}" type="datetimeFigureOut">
               <a:rPr lang="de-CH" smtClean="0"/>
-              <a:t>18.03.2017</a:t>
+              <a:t>21.03.2017</a:t>
             </a:fld>
             <a:endParaRPr lang="de-CH"/>
           </a:p>
@@ -3062,6 +3068,99 @@
           <a:chExt cx="0" cy="0"/>
         </a:xfrm>
       </p:grpSpPr>
+      <p:sp>
+        <p:nvSpPr>
+          <p:cNvPr id="2" name="Titel 1"/>
+          <p:cNvSpPr>
+            <a:spLocks noGrp="1"/>
+          </p:cNvSpPr>
+          <p:nvPr>
+            <p:ph type="title"/>
+          </p:nvPr>
+        </p:nvSpPr>
+        <p:spPr/>
+        <p:txBody>
+          <a:bodyPr/>
+          <a:lstStyle/>
+          <a:p>
+            <a:r>
+              <a:rPr lang="de-CH" b="1" dirty="0"/>
+              <a:t>Demo</a:t>
+            </a:r>
+          </a:p>
+        </p:txBody>
+      </p:sp>
+      <p:pic>
+        <p:nvPicPr>
+          <p:cNvPr id="2050" name="Picture 2" descr="Bildergebnis für demo"/>
+          <p:cNvPicPr>
+            <a:picLocks noChangeAspect="1" noChangeArrowheads="1"/>
+          </p:cNvPicPr>
+          <p:nvPr/>
+        </p:nvPicPr>
+        <p:blipFill>
+          <a:blip r:embed="rId2">
+            <a:extLst>
+              <a:ext uri="{28A0092B-C50C-407E-A947-70E740481C1C}">
+                <a14:useLocalDpi xmlns:a14="http://schemas.microsoft.com/office/drawing/2010/main" val="0"/>
+              </a:ext>
+            </a:extLst>
+          </a:blip>
+          <a:srcRect/>
+          <a:stretch>
+            <a:fillRect/>
+          </a:stretch>
+        </p:blipFill>
+        <p:spPr bwMode="auto">
+          <a:xfrm>
+            <a:off x="1899834" y="1771973"/>
+            <a:ext cx="8392332" cy="4196166"/>
+          </a:xfrm>
+          <a:prstGeom prst="rect">
+            <a:avLst/>
+          </a:prstGeom>
+          <a:noFill/>
+          <a:extLst>
+            <a:ext uri="{909E8E84-426E-40DD-AFC4-6F175D3DCCD1}">
+              <a14:hiddenFill xmlns:a14="http://schemas.microsoft.com/office/drawing/2010/main">
+                <a:solidFill>
+                  <a:srgbClr val="FFFFFF"/>
+                </a:solidFill>
+              </a14:hiddenFill>
+            </a:ext>
+          </a:extLst>
+        </p:spPr>
+      </p:pic>
+    </p:spTree>
+    <p:extLst>
+      <p:ext uri="{BB962C8B-B14F-4D97-AF65-F5344CB8AC3E}">
+        <p14:creationId xmlns:p14="http://schemas.microsoft.com/office/powerpoint/2010/main" val="1455315710"/>
+      </p:ext>
+    </p:extLst>
+  </p:cSld>
+  <p:clrMapOvr>
+    <a:masterClrMapping/>
+  </p:clrMapOvr>
+</p:sld>
+</file>
+
+<file path=ppt/slides/slide11.xml><?xml version="1.0" encoding="utf-8"?>
+<p:sld xmlns:a="http://schemas.openxmlformats.org/drawingml/2006/main" xmlns:r="http://schemas.openxmlformats.org/officeDocument/2006/relationships" xmlns:p="http://schemas.openxmlformats.org/presentationml/2006/main">
+  <p:cSld>
+    <p:spTree>
+      <p:nvGrpSpPr>
+        <p:cNvPr id="1" name=""/>
+        <p:cNvGrpSpPr/>
+        <p:nvPr/>
+      </p:nvGrpSpPr>
+      <p:grpSpPr>
+        <a:xfrm>
+          <a:off x="0" y="0"/>
+          <a:ext cx="0" cy="0"/>
+          <a:chOff x="0" y="0"/>
+          <a:chExt cx="0" cy="0"/>
+        </a:xfrm>
+      </p:grpSpPr>
       <p:pic>
         <p:nvPicPr>
           <p:cNvPr id="2050" name="Picture 2" descr="Bildergebnis für frage¨n"/>
@@ -3266,7 +3365,6 @@
               <a:rPr lang="de-CH" b="1" dirty="0"/>
               <a:t>Ausgangssituation</a:t>
             </a:r>
-            <a:endParaRPr lang="de-CH" b="1" dirty="0"/>
           </a:p>
         </p:txBody>
       </p:sp>
@@ -3338,29 +3436,76 @@
               <a:rPr lang="de-CH" b="1" dirty="0"/>
               <a:t>Planung</a:t>
             </a:r>
-            <a:endParaRPr lang="de-CH" b="1" dirty="0"/>
-          </a:p>
-        </p:txBody>
-      </p:sp>
-      <p:sp>
-        <p:nvSpPr>
-          <p:cNvPr id="3" name="Inhaltsplatzhalter 2"/>
-          <p:cNvSpPr>
-            <a:spLocks noGrp="1"/>
-          </p:cNvSpPr>
-          <p:nvPr>
-            <p:ph idx="1"/>
-          </p:nvPr>
-        </p:nvSpPr>
-        <p:spPr/>
-        <p:txBody>
-          <a:bodyPr/>
-          <a:lstStyle/>
-          <a:p>
-            <a:endParaRPr lang="de-CH" dirty="0"/>
-          </a:p>
-        </p:txBody>
-      </p:sp>
+          </a:p>
+        </p:txBody>
+      </p:sp>
+      <p:graphicFrame>
+        <p:nvGraphicFramePr>
+          <p:cNvPr id="4" name="Objekt 3"/>
+          <p:cNvGraphicFramePr>
+            <a:graphicFrameLocks noChangeAspect="1"/>
+          </p:cNvGraphicFramePr>
+          <p:nvPr>
+            <p:extLst>
+              <p:ext uri="{D42A27DB-BD31-4B8C-83A1-F6EECF244321}">
+                <p14:modId xmlns:p14="http://schemas.microsoft.com/office/powerpoint/2010/main" val="135474918"/>
+              </p:ext>
+            </p:extLst>
+          </p:nvPr>
+        </p:nvGraphicFramePr>
+        <p:xfrm>
+          <a:off x="0" y="1690688"/>
+          <a:ext cx="12137396" cy="3424237"/>
+        </p:xfrm>
+        <a:graphic>
+          <a:graphicData uri="http://schemas.openxmlformats.org/presentationml/2006/ole">
+            <mc:AlternateContent xmlns:mc="http://schemas.openxmlformats.org/markup-compatibility/2006">
+              <mc:Choice xmlns:v="urn:schemas-microsoft-com:vml" Requires="v">
+                <p:oleObj spid="_x0000_s1035" name="Visio" r:id="rId3" imgW="10458406" imgH="3171825" progId="Visio.Drawing.15">
+                  <p:embed/>
+                </p:oleObj>
+              </mc:Choice>
+              <mc:Fallback>
+                <p:oleObj name="Visio" r:id="rId3" imgW="10458406" imgH="3171825" progId="Visio.Drawing.15">
+                  <p:embed/>
+                  <p:pic>
+                    <p:nvPicPr>
+                      <p:cNvPr id="0" name="Object 2"/>
+                      <p:cNvPicPr>
+                        <a:picLocks noChangeAspect="1" noChangeArrowheads="1"/>
+                      </p:cNvPicPr>
+                      <p:nvPr/>
+                    </p:nvPicPr>
+                    <p:blipFill>
+                      <a:blip r:embed="rId4">
+                        <a:extLst>
+                          <a:ext uri="{28A0092B-C50C-407E-A947-70E740481C1C}">
+                            <a14:useLocalDpi xmlns:a14="http://schemas.microsoft.com/office/drawing/2010/main" val="0"/>
+                          </a:ext>
+                        </a:extLst>
+                      </a:blip>
+                      <a:srcRect/>
+                      <a:stretch>
+                        <a:fillRect/>
+                      </a:stretch>
+                    </p:blipFill>
+                    <p:spPr bwMode="auto">
+                      <a:xfrm>
+                        <a:off x="0" y="1690688"/>
+                        <a:ext cx="12137396" cy="3424237"/>
+                      </a:xfrm>
+                      <a:prstGeom prst="rect">
+                        <a:avLst/>
+                      </a:prstGeom>
+                      <a:noFill/>
+                    </p:spPr>
+                  </p:pic>
+                </p:oleObj>
+              </mc:Fallback>
+            </mc:AlternateContent>
+          </a:graphicData>
+        </a:graphic>
+      </p:graphicFrame>
     </p:spTree>
     <p:extLst>
       <p:ext uri="{BB962C8B-B14F-4D97-AF65-F5344CB8AC3E}">
@@ -3410,7 +3555,6 @@
               <a:rPr lang="de-CH" b="1" dirty="0"/>
               <a:t>Aufgabenverteilung</a:t>
             </a:r>
-            <a:endParaRPr lang="de-CH" b="1" dirty="0"/>
           </a:p>
         </p:txBody>
       </p:sp>
@@ -4186,34 +4330,40 @@
           <a:p>
             <a:r>
               <a:rPr lang="de-CH" b="1" dirty="0"/>
-              <a:t>ERM</a:t>
-            </a:r>
-          </a:p>
-        </p:txBody>
-      </p:sp>
-      <p:sp>
-        <p:nvSpPr>
-          <p:cNvPr id="3" name="Inhaltsplatzhalter 2"/>
-          <p:cNvSpPr>
-            <a:spLocks noGrp="1"/>
-          </p:cNvSpPr>
-          <p:nvPr>
-            <p:ph idx="1"/>
-          </p:nvPr>
-        </p:nvSpPr>
-        <p:spPr/>
-        <p:txBody>
-          <a:bodyPr/>
-          <a:lstStyle/>
-          <a:p>
-            <a:endParaRPr lang="de-CH" dirty="0"/>
-          </a:p>
-        </p:txBody>
-      </p:sp>
+              <a:t>Architektur</a:t>
+            </a:r>
+            <a:endParaRPr lang="de-CH" b="1" dirty="0"/>
+          </a:p>
+        </p:txBody>
+      </p:sp>
+      <p:pic>
+        <p:nvPicPr>
+          <p:cNvPr id="8" name="Grafik 7"/>
+          <p:cNvPicPr>
+            <a:picLocks noChangeAspect="1"/>
+          </p:cNvPicPr>
+          <p:nvPr/>
+        </p:nvPicPr>
+        <p:blipFill>
+          <a:blip r:embed="rId2"/>
+          <a:stretch>
+            <a:fillRect/>
+          </a:stretch>
+        </p:blipFill>
+        <p:spPr>
+          <a:xfrm>
+            <a:off x="2211473" y="1658600"/>
+            <a:ext cx="7769054" cy="4641175"/>
+          </a:xfrm>
+          <a:prstGeom prst="rect">
+            <a:avLst/>
+          </a:prstGeom>
+        </p:spPr>
+      </p:pic>
     </p:spTree>
     <p:extLst>
       <p:ext uri="{BB962C8B-B14F-4D97-AF65-F5344CB8AC3E}">
-        <p14:creationId xmlns:p14="http://schemas.microsoft.com/office/powerpoint/2010/main" val="694419974"/>
+        <p14:creationId xmlns:p14="http://schemas.microsoft.com/office/powerpoint/2010/main" val="1430657060"/>
       </p:ext>
     </p:extLst>
   </p:cSld>
@@ -4257,35 +4407,37 @@
           <a:p>
             <a:r>
               <a:rPr lang="de-CH" b="1" dirty="0"/>
-              <a:t>Test</a:t>
-            </a:r>
-            <a:endParaRPr lang="de-CH" b="1" dirty="0"/>
-          </a:p>
-        </p:txBody>
-      </p:sp>
-      <p:sp>
-        <p:nvSpPr>
-          <p:cNvPr id="3" name="Inhaltsplatzhalter 2"/>
-          <p:cNvSpPr>
-            <a:spLocks noGrp="1"/>
-          </p:cNvSpPr>
-          <p:nvPr>
-            <p:ph idx="1"/>
-          </p:nvPr>
-        </p:nvSpPr>
-        <p:spPr/>
-        <p:txBody>
-          <a:bodyPr/>
-          <a:lstStyle/>
-          <a:p>
-            <a:endParaRPr lang="de-CH" dirty="0"/>
-          </a:p>
-        </p:txBody>
-      </p:sp>
+              <a:t>ERM</a:t>
+            </a:r>
+          </a:p>
+        </p:txBody>
+      </p:sp>
+      <p:pic>
+        <p:nvPicPr>
+          <p:cNvPr id="4" name="Grafik 3"/>
+          <p:cNvPicPr/>
+          <p:nvPr/>
+        </p:nvPicPr>
+        <p:blipFill>
+          <a:blip r:embed="rId2"/>
+          <a:stretch>
+            <a:fillRect/>
+          </a:stretch>
+        </p:blipFill>
+        <p:spPr>
+          <a:xfrm>
+            <a:off x="2792628" y="-57549"/>
+            <a:ext cx="8435546" cy="6923850"/>
+          </a:xfrm>
+          <a:prstGeom prst="rect">
+            <a:avLst/>
+          </a:prstGeom>
+        </p:spPr>
+      </p:pic>
     </p:spTree>
     <p:extLst>
       <p:ext uri="{BB962C8B-B14F-4D97-AF65-F5344CB8AC3E}">
-        <p14:creationId xmlns:p14="http://schemas.microsoft.com/office/powerpoint/2010/main" val="3644506140"/>
+        <p14:creationId xmlns:p14="http://schemas.microsoft.com/office/powerpoint/2010/main" val="694419974"/>
       </p:ext>
     </p:extLst>
   </p:cSld>
@@ -4329,35 +4481,37 @@
           <a:p>
             <a:r>
               <a:rPr lang="de-CH" b="1" dirty="0"/>
-              <a:t>Demo</a:t>
-            </a:r>
-            <a:endParaRPr lang="de-CH" b="1" dirty="0"/>
-          </a:p>
-        </p:txBody>
-      </p:sp>
-      <p:sp>
-        <p:nvSpPr>
-          <p:cNvPr id="3" name="Inhaltsplatzhalter 2"/>
-          <p:cNvSpPr>
-            <a:spLocks noGrp="1"/>
-          </p:cNvSpPr>
-          <p:nvPr>
-            <p:ph idx="1"/>
-          </p:nvPr>
-        </p:nvSpPr>
-        <p:spPr/>
-        <p:txBody>
-          <a:bodyPr/>
-          <a:lstStyle/>
-          <a:p>
-            <a:endParaRPr lang="de-CH" dirty="0"/>
-          </a:p>
-        </p:txBody>
-      </p:sp>
+              <a:t>Test</a:t>
+            </a:r>
+          </a:p>
+        </p:txBody>
+      </p:sp>
+      <p:pic>
+        <p:nvPicPr>
+          <p:cNvPr id="4" name="Grafik 3"/>
+          <p:cNvPicPr/>
+          <p:nvPr/>
+        </p:nvPicPr>
+        <p:blipFill>
+          <a:blip r:embed="rId2"/>
+          <a:stretch>
+            <a:fillRect/>
+          </a:stretch>
+        </p:blipFill>
+        <p:spPr>
+          <a:xfrm>
+            <a:off x="647006" y="1493419"/>
+            <a:ext cx="10897989" cy="3871162"/>
+          </a:xfrm>
+          <a:prstGeom prst="rect">
+            <a:avLst/>
+          </a:prstGeom>
+        </p:spPr>
+      </p:pic>
     </p:spTree>
     <p:extLst>
       <p:ext uri="{BB962C8B-B14F-4D97-AF65-F5344CB8AC3E}">
-        <p14:creationId xmlns:p14="http://schemas.microsoft.com/office/powerpoint/2010/main" val="1455315710"/>
+        <p14:creationId xmlns:p14="http://schemas.microsoft.com/office/powerpoint/2010/main" val="3644506140"/>
       </p:ext>
     </p:extLst>
   </p:cSld>
